--- a/Intern2018.pptx
+++ b/Intern2018.pptx
@@ -13,19 +13,18 @@
     <p:sldId id="265" r:id="rId7"/>
     <p:sldId id="266" r:id="rId8"/>
     <p:sldId id="267" r:id="rId9"/>
-    <p:sldId id="289" r:id="rId10"/>
-    <p:sldId id="286" r:id="rId11"/>
-    <p:sldId id="287" r:id="rId12"/>
-    <p:sldId id="277" r:id="rId13"/>
-    <p:sldId id="278" r:id="rId14"/>
-    <p:sldId id="279" r:id="rId15"/>
-    <p:sldId id="280" r:id="rId16"/>
-    <p:sldId id="281" r:id="rId17"/>
-    <p:sldId id="282" r:id="rId18"/>
-    <p:sldId id="283" r:id="rId19"/>
-    <p:sldId id="284" r:id="rId20"/>
-    <p:sldId id="272" r:id="rId21"/>
-    <p:sldId id="273" r:id="rId22"/>
+    <p:sldId id="286" r:id="rId10"/>
+    <p:sldId id="287" r:id="rId11"/>
+    <p:sldId id="277" r:id="rId12"/>
+    <p:sldId id="278" r:id="rId13"/>
+    <p:sldId id="279" r:id="rId14"/>
+    <p:sldId id="280" r:id="rId15"/>
+    <p:sldId id="281" r:id="rId16"/>
+    <p:sldId id="282" r:id="rId17"/>
+    <p:sldId id="283" r:id="rId18"/>
+    <p:sldId id="284" r:id="rId19"/>
+    <p:sldId id="272" r:id="rId20"/>
+    <p:sldId id="273" r:id="rId21"/>
   </p:sldIdLst>
   <p:sldSz cx="12192000" cy="6858000"/>
   <p:notesSz cx="6858000" cy="9144000"/>
@@ -126,7 +125,7 @@
   </p:defaultTextStyle>
   <p:extLst>
     <p:ext uri="{EFAFB233-063F-42B5-8137-9DF3F51BA10A}">
-      <p15:sldGuideLst xmlns:p15="http://schemas.microsoft.com/office/powerpoint/2012/main"/>
+      <p15:sldGuideLst xmlns:p15="http://schemas.microsoft.com/office/powerpoint/2012/main" xmlns=""/>
     </p:ext>
   </p:extLst>
 </p:presentation>
@@ -855,7 +854,7 @@
             <a:fld id="{B61BEF0D-F0BB-DE4B-95CE-6DB70DBA9567}" type="datetimeFigureOut">
               <a:rPr lang="en-US" dirty="0"/>
               <a:pPr/>
-              <a:t>9/2/2018</a:t>
+              <a:t>9/3/2018</a:t>
             </a:fld>
             <a:endParaRPr lang="en-US" dirty="0"/>
           </a:p>
@@ -1103,7 +1102,7 @@
             <a:fld id="{B61BEF0D-F0BB-DE4B-95CE-6DB70DBA9567}" type="datetimeFigureOut">
               <a:rPr lang="en-US" dirty="0"/>
               <a:pPr/>
-              <a:t>9/2/2018</a:t>
+              <a:t>9/3/2018</a:t>
             </a:fld>
             <a:endParaRPr lang="en-US" dirty="0"/>
           </a:p>
@@ -1414,7 +1413,7 @@
             <a:fld id="{B61BEF0D-F0BB-DE4B-95CE-6DB70DBA9567}" type="datetimeFigureOut">
               <a:rPr lang="en-US" dirty="0"/>
               <a:pPr/>
-              <a:t>9/2/2018</a:t>
+              <a:t>9/3/2018</a:t>
             </a:fld>
             <a:endParaRPr lang="en-US" dirty="0"/>
           </a:p>
@@ -1752,7 +1751,7 @@
             <a:fld id="{B61BEF0D-F0BB-DE4B-95CE-6DB70DBA9567}" type="datetimeFigureOut">
               <a:rPr lang="en-US" dirty="0"/>
               <a:pPr/>
-              <a:t>9/2/2018</a:t>
+              <a:t>9/3/2018</a:t>
             </a:fld>
             <a:endParaRPr lang="en-US" dirty="0"/>
           </a:p>
@@ -2063,7 +2062,7 @@
             <a:fld id="{B61BEF0D-F0BB-DE4B-95CE-6DB70DBA9567}" type="datetimeFigureOut">
               <a:rPr lang="en-US" dirty="0"/>
               <a:pPr/>
-              <a:t>9/2/2018</a:t>
+              <a:t>9/3/2018</a:t>
             </a:fld>
             <a:endParaRPr lang="en-US" dirty="0"/>
           </a:p>
@@ -2453,7 +2452,7 @@
             <a:fld id="{B61BEF0D-F0BB-DE4B-95CE-6DB70DBA9567}" type="datetimeFigureOut">
               <a:rPr lang="en-US" dirty="0"/>
               <a:pPr/>
-              <a:t>9/2/2018</a:t>
+              <a:t>9/3/2018</a:t>
             </a:fld>
             <a:endParaRPr lang="en-US" dirty="0"/>
           </a:p>
@@ -2619,7 +2618,7 @@
           <a:p>
             <a:fld id="{55C6B4A9-1611-4792-9094-5F34BCA07E0B}" type="datetimeFigureOut">
               <a:rPr lang="en-US" dirty="0"/>
-              <a:t>9/2/2018</a:t>
+              <a:t>9/3/2018</a:t>
             </a:fld>
             <a:endParaRPr lang="en-US" dirty="0"/>
           </a:p>
@@ -2795,7 +2794,7 @@
             <a:fld id="{B61BEF0D-F0BB-DE4B-95CE-6DB70DBA9567}" type="datetimeFigureOut">
               <a:rPr lang="en-US" dirty="0"/>
               <a:pPr/>
-              <a:t>9/2/2018</a:t>
+              <a:t>9/3/2018</a:t>
             </a:fld>
             <a:endParaRPr lang="en-US" dirty="0"/>
           </a:p>
@@ -2968,7 +2967,7 @@
             <a:fld id="{B61BEF0D-F0BB-DE4B-95CE-6DB70DBA9567}" type="datetimeFigureOut">
               <a:rPr lang="en-US" dirty="0"/>
               <a:pPr/>
-              <a:t>9/2/2018</a:t>
+              <a:t>9/3/2018</a:t>
             </a:fld>
             <a:endParaRPr lang="en-US" dirty="0"/>
           </a:p>
@@ -3212,7 +3211,7 @@
             <a:fld id="{B61BEF0D-F0BB-DE4B-95CE-6DB70DBA9567}" type="datetimeFigureOut">
               <a:rPr lang="en-US" dirty="0"/>
               <a:pPr/>
-              <a:t>9/2/2018</a:t>
+              <a:t>9/3/2018</a:t>
             </a:fld>
             <a:endParaRPr lang="en-US" dirty="0"/>
           </a:p>
@@ -3440,7 +3439,7 @@
           <a:p>
             <a:fld id="{EB712588-04B1-427B-82EE-E8DB90309F08}" type="datetimeFigureOut">
               <a:rPr lang="en-US" dirty="0"/>
-              <a:t>9/2/2018</a:t>
+              <a:t>9/3/2018</a:t>
             </a:fld>
             <a:endParaRPr lang="en-US" dirty="0"/>
           </a:p>
@@ -3810,7 +3809,7 @@
             <a:fld id="{B61BEF0D-F0BB-DE4B-95CE-6DB70DBA9567}" type="datetimeFigureOut">
               <a:rPr lang="en-US" dirty="0"/>
               <a:pPr/>
-              <a:t>9/2/2018</a:t>
+              <a:t>9/3/2018</a:t>
             </a:fld>
             <a:endParaRPr lang="en-US" dirty="0"/>
           </a:p>
@@ -3930,7 +3929,7 @@
             <a:fld id="{B61BEF0D-F0BB-DE4B-95CE-6DB70DBA9567}" type="datetimeFigureOut">
               <a:rPr lang="en-US" dirty="0"/>
               <a:pPr/>
-              <a:t>9/2/2018</a:t>
+              <a:t>9/3/2018</a:t>
             </a:fld>
             <a:endParaRPr lang="en-US" dirty="0"/>
           </a:p>
@@ -4022,7 +4021,7 @@
             <a:fld id="{B61BEF0D-F0BB-DE4B-95CE-6DB70DBA9567}" type="datetimeFigureOut">
               <a:rPr lang="en-US" dirty="0"/>
               <a:pPr/>
-              <a:t>9/2/2018</a:t>
+              <a:t>9/3/2018</a:t>
             </a:fld>
             <a:endParaRPr lang="en-US" dirty="0"/>
           </a:p>
@@ -4273,7 +4272,7 @@
           <a:p>
             <a:fld id="{42A54C80-263E-416B-A8E0-580EDEADCBDC}" type="datetimeFigureOut">
               <a:rPr lang="en-US" dirty="0"/>
-              <a:t>9/2/2018</a:t>
+              <a:t>9/3/2018</a:t>
             </a:fld>
             <a:endParaRPr lang="en-US" dirty="0"/>
           </a:p>
@@ -4532,7 +4531,7 @@
             <a:fld id="{B61BEF0D-F0BB-DE4B-95CE-6DB70DBA9567}" type="datetimeFigureOut">
               <a:rPr lang="en-US" dirty="0"/>
               <a:pPr/>
-              <a:t>9/2/2018</a:t>
+              <a:t>9/3/2018</a:t>
             </a:fld>
             <a:endParaRPr lang="en-US" dirty="0"/>
           </a:p>
@@ -5272,7 +5271,7 @@
             <a:fld id="{B61BEF0D-F0BB-DE4B-95CE-6DB70DBA9567}" type="datetimeFigureOut">
               <a:rPr lang="en-US" dirty="0"/>
               <a:pPr/>
-              <a:t>9/2/2018</a:t>
+              <a:t>9/3/2018</a:t>
             </a:fld>
             <a:endParaRPr lang="en-US" dirty="0"/>
           </a:p>
@@ -5833,6 +5832,13 @@
   <p:clrMapOvr>
     <a:masterClrMapping/>
   </p:clrMapOvr>
+  <p:timing>
+    <p:tnLst>
+      <p:par>
+        <p:cTn id="1" dur="indefinite" restart="never" nodeType="tmRoot"/>
+      </p:par>
+    </p:tnLst>
+  </p:timing>
 </p:sld>
 </file>
 
@@ -5865,8 +5871,8 @@
         </p:nvSpPr>
         <p:spPr>
           <a:xfrm>
-            <a:off x="1084217" y="609600"/>
-            <a:ext cx="9444445" cy="801189"/>
+            <a:off x="677334" y="609600"/>
+            <a:ext cx="10817980" cy="814251"/>
           </a:xfrm>
         </p:spPr>
         <p:txBody>
@@ -5877,22 +5883,21 @@
           <a:p>
             <a:pPr algn="ctr"/>
             <a:r>
-              <a:rPr lang="en-US" sz="3200" dirty="0" err="1" smtClean="0"/>
-              <a:t>Usecase</a:t>
-            </a:r>
-            <a:r>
               <a:rPr lang="en-US" sz="3200" dirty="0" smtClean="0"/>
-              <a:t> Diagram for Who is Who in Myanmar</a:t>
-            </a:r>
-            <a:endParaRPr lang="en-US" sz="3200" dirty="0"/>
+              <a:t>Sequence </a:t>
+            </a:r>
+            <a:r>
+              <a:rPr lang="en-US" sz="3200" dirty="0"/>
+              <a:t>Diagram for Who is Who in Myanmar</a:t>
+            </a:r>
           </a:p>
         </p:txBody>
       </p:sp>
       <p:pic>
         <p:nvPicPr>
-          <p:cNvPr id="4" name="Content Placeholder 3"/>
+          <p:cNvPr id="5" name="Content Placeholder 4"/>
           <p:cNvPicPr>
-            <a:picLocks noGrp="1" noChangeAspect="1"/>
+            <a:picLocks noGrp="1"/>
           </p:cNvPicPr>
           <p:nvPr>
             <p:ph idx="1"/>
@@ -5906,108 +5911,23 @@
               </a:ext>
             </a:extLst>
           </a:blip>
+          <a:srcRect/>
           <a:stretch>
             <a:fillRect/>
           </a:stretch>
         </p:blipFill>
-        <p:spPr>
+        <p:spPr bwMode="auto">
           <a:xfrm>
-            <a:off x="2560319" y="2160588"/>
-            <a:ext cx="6374675" cy="4344715"/>
+            <a:off x="2283967" y="2160588"/>
+            <a:ext cx="5384103" cy="3881437"/>
           </a:xfrm>
-        </p:spPr>
-      </p:pic>
-    </p:spTree>
-    <p:extLst>
-      <p:ext uri="{BB962C8B-B14F-4D97-AF65-F5344CB8AC3E}">
-        <p14:creationId xmlns:p14="http://schemas.microsoft.com/office/powerpoint/2010/main" val="592878505"/>
-      </p:ext>
-    </p:extLst>
-  </p:cSld>
-  <p:clrMapOvr>
-    <a:masterClrMapping/>
-  </p:clrMapOvr>
-</p:sld>
-</file>
-
-<file path=ppt/slides/slide11.xml><?xml version="1.0" encoding="utf-8"?>
-<p:sld xmlns:a="http://schemas.openxmlformats.org/drawingml/2006/main" xmlns:r="http://schemas.openxmlformats.org/officeDocument/2006/relationships" xmlns:p="http://schemas.openxmlformats.org/presentationml/2006/main">
-  <p:cSld>
-    <p:spTree>
-      <p:nvGrpSpPr>
-        <p:cNvPr id="1" name=""/>
-        <p:cNvGrpSpPr/>
-        <p:nvPr/>
-      </p:nvGrpSpPr>
-      <p:grpSpPr>
-        <a:xfrm>
-          <a:off x="0" y="0"/>
-          <a:ext cx="0" cy="0"/>
-          <a:chOff x="0" y="0"/>
-          <a:chExt cx="0" cy="0"/>
-        </a:xfrm>
-      </p:grpSpPr>
-      <p:sp>
-        <p:nvSpPr>
-          <p:cNvPr id="2" name="Title 1"/>
-          <p:cNvSpPr>
-            <a:spLocks noGrp="1"/>
-          </p:cNvSpPr>
-          <p:nvPr>
-            <p:ph type="title"/>
-          </p:nvPr>
-        </p:nvSpPr>
-        <p:spPr>
-          <a:xfrm>
-            <a:off x="677334" y="609600"/>
-            <a:ext cx="10817980" cy="814251"/>
-          </a:xfrm>
-        </p:spPr>
-        <p:txBody>
-          <a:bodyPr>
-            <a:normAutofit/>
-          </a:bodyPr>
-          <a:lstStyle/>
-          <a:p>
-            <a:pPr algn="ctr"/>
-            <a:r>
-              <a:rPr lang="en-US" sz="3200" dirty="0" smtClean="0"/>
-              <a:t>Sequence </a:t>
-            </a:r>
-            <a:r>
-              <a:rPr lang="en-US" sz="3200" dirty="0"/>
-              <a:t>Diagram for Who is Who in Myanmar</a:t>
-            </a:r>
-          </a:p>
-        </p:txBody>
-      </p:sp>
-      <p:pic>
-        <p:nvPicPr>
-          <p:cNvPr id="4" name="Content Placeholder 3"/>
-          <p:cNvPicPr>
-            <a:picLocks noGrp="1" noChangeAspect="1"/>
-          </p:cNvPicPr>
-          <p:nvPr>
-            <p:ph idx="1"/>
-          </p:nvPr>
-        </p:nvPicPr>
-        <p:blipFill>
-          <a:blip r:embed="rId2">
-            <a:extLst>
-              <a:ext uri="{28A0092B-C50C-407E-A947-70E740481C1C}">
-                <a14:useLocalDpi xmlns:a14="http://schemas.microsoft.com/office/drawing/2010/main" val="0"/>
-              </a:ext>
-            </a:extLst>
-          </a:blip>
-          <a:stretch>
-            <a:fillRect/>
-          </a:stretch>
-        </p:blipFill>
-        <p:spPr>
-          <a:xfrm>
-            <a:off x="3226526" y="1737360"/>
-            <a:ext cx="6061165" cy="4216601"/>
-          </a:xfrm>
+          <a:prstGeom prst="rect">
+            <a:avLst/>
+          </a:prstGeom>
+          <a:noFill/>
+          <a:ln>
+            <a:noFill/>
+          </a:ln>
         </p:spPr>
       </p:pic>
     </p:spTree>
@@ -6020,10 +5940,17 @@
   <p:clrMapOvr>
     <a:masterClrMapping/>
   </p:clrMapOvr>
+  <p:timing>
+    <p:tnLst>
+      <p:par>
+        <p:cTn id="1" dur="indefinite" restart="never" nodeType="tmRoot"/>
+      </p:par>
+    </p:tnLst>
+  </p:timing>
 </p:sld>
 </file>
 
-<file path=ppt/slides/slide12.xml><?xml version="1.0" encoding="utf-8"?>
+<file path=ppt/slides/slide11.xml><?xml version="1.0" encoding="utf-8"?>
 <p:sld xmlns:a="http://schemas.openxmlformats.org/drawingml/2006/main" xmlns:r="http://schemas.openxmlformats.org/officeDocument/2006/relationships" xmlns:p="http://schemas.openxmlformats.org/presentationml/2006/main">
   <p:cSld>
     <p:spTree>
@@ -6080,10 +6007,17 @@
   <p:clrMapOvr>
     <a:masterClrMapping/>
   </p:clrMapOvr>
+  <p:timing>
+    <p:tnLst>
+      <p:par>
+        <p:cTn id="1" dur="indefinite" restart="never" nodeType="tmRoot"/>
+      </p:par>
+    </p:tnLst>
+  </p:timing>
 </p:sld>
 </file>
 
-<file path=ppt/slides/slide13.xml><?xml version="1.0" encoding="utf-8"?>
+<file path=ppt/slides/slide12.xml><?xml version="1.0" encoding="utf-8"?>
 <p:sld xmlns:a="http://schemas.openxmlformats.org/drawingml/2006/main" xmlns:r="http://schemas.openxmlformats.org/officeDocument/2006/relationships" xmlns:p="http://schemas.openxmlformats.org/presentationml/2006/main">
   <p:cSld>
     <p:spTree>
@@ -6140,10 +6074,17 @@
   <p:clrMapOvr>
     <a:masterClrMapping/>
   </p:clrMapOvr>
+  <p:timing>
+    <p:tnLst>
+      <p:par>
+        <p:cTn id="1" dur="indefinite" restart="never" nodeType="tmRoot"/>
+      </p:par>
+    </p:tnLst>
+  </p:timing>
 </p:sld>
 </file>
 
-<file path=ppt/slides/slide14.xml><?xml version="1.0" encoding="utf-8"?>
+<file path=ppt/slides/slide13.xml><?xml version="1.0" encoding="utf-8"?>
 <p:sld xmlns:a="http://schemas.openxmlformats.org/drawingml/2006/main" xmlns:r="http://schemas.openxmlformats.org/officeDocument/2006/relationships" xmlns:p="http://schemas.openxmlformats.org/presentationml/2006/main">
   <p:cSld>
     <p:spTree>
@@ -6200,10 +6141,17 @@
   <p:clrMapOvr>
     <a:masterClrMapping/>
   </p:clrMapOvr>
+  <p:timing>
+    <p:tnLst>
+      <p:par>
+        <p:cTn id="1" dur="indefinite" restart="never" nodeType="tmRoot"/>
+      </p:par>
+    </p:tnLst>
+  </p:timing>
 </p:sld>
 </file>
 
-<file path=ppt/slides/slide15.xml><?xml version="1.0" encoding="utf-8"?>
+<file path=ppt/slides/slide14.xml><?xml version="1.0" encoding="utf-8"?>
 <p:sld xmlns:a="http://schemas.openxmlformats.org/drawingml/2006/main" xmlns:r="http://schemas.openxmlformats.org/officeDocument/2006/relationships" xmlns:p="http://schemas.openxmlformats.org/presentationml/2006/main">
   <p:cSld>
     <p:spTree>
@@ -6260,10 +6208,17 @@
   <p:clrMapOvr>
     <a:masterClrMapping/>
   </p:clrMapOvr>
+  <p:timing>
+    <p:tnLst>
+      <p:par>
+        <p:cTn id="1" dur="indefinite" restart="never" nodeType="tmRoot"/>
+      </p:par>
+    </p:tnLst>
+  </p:timing>
 </p:sld>
 </file>
 
-<file path=ppt/slides/slide16.xml><?xml version="1.0" encoding="utf-8"?>
+<file path=ppt/slides/slide15.xml><?xml version="1.0" encoding="utf-8"?>
 <p:sld xmlns:a="http://schemas.openxmlformats.org/drawingml/2006/main" xmlns:r="http://schemas.openxmlformats.org/officeDocument/2006/relationships" xmlns:p="http://schemas.openxmlformats.org/presentationml/2006/main">
   <p:cSld>
     <p:spTree>
@@ -6320,10 +6275,17 @@
   <p:clrMapOvr>
     <a:masterClrMapping/>
   </p:clrMapOvr>
+  <p:timing>
+    <p:tnLst>
+      <p:par>
+        <p:cTn id="1" dur="indefinite" restart="never" nodeType="tmRoot"/>
+      </p:par>
+    </p:tnLst>
+  </p:timing>
 </p:sld>
 </file>
 
-<file path=ppt/slides/slide17.xml><?xml version="1.0" encoding="utf-8"?>
+<file path=ppt/slides/slide16.xml><?xml version="1.0" encoding="utf-8"?>
 <p:sld xmlns:a="http://schemas.openxmlformats.org/drawingml/2006/main" xmlns:r="http://schemas.openxmlformats.org/officeDocument/2006/relationships" xmlns:p="http://schemas.openxmlformats.org/presentationml/2006/main">
   <p:cSld>
     <p:spTree>
@@ -6380,10 +6342,17 @@
   <p:clrMapOvr>
     <a:masterClrMapping/>
   </p:clrMapOvr>
+  <p:timing>
+    <p:tnLst>
+      <p:par>
+        <p:cTn id="1" dur="indefinite" restart="never" nodeType="tmRoot"/>
+      </p:par>
+    </p:tnLst>
+  </p:timing>
 </p:sld>
 </file>
 
-<file path=ppt/slides/slide18.xml><?xml version="1.0" encoding="utf-8"?>
+<file path=ppt/slides/slide17.xml><?xml version="1.0" encoding="utf-8"?>
 <p:sld xmlns:a="http://schemas.openxmlformats.org/drawingml/2006/main" xmlns:r="http://schemas.openxmlformats.org/officeDocument/2006/relationships" xmlns:p="http://schemas.openxmlformats.org/presentationml/2006/main">
   <p:cSld>
     <p:spTree>
@@ -6440,10 +6409,17 @@
   <p:clrMapOvr>
     <a:masterClrMapping/>
   </p:clrMapOvr>
+  <p:timing>
+    <p:tnLst>
+      <p:par>
+        <p:cTn id="1" dur="indefinite" restart="never" nodeType="tmRoot"/>
+      </p:par>
+    </p:tnLst>
+  </p:timing>
 </p:sld>
 </file>
 
-<file path=ppt/slides/slide19.xml><?xml version="1.0" encoding="utf-8"?>
+<file path=ppt/slides/slide18.xml><?xml version="1.0" encoding="utf-8"?>
 <p:sld xmlns:a="http://schemas.openxmlformats.org/drawingml/2006/main" xmlns:r="http://schemas.openxmlformats.org/officeDocument/2006/relationships" xmlns:p="http://schemas.openxmlformats.org/presentationml/2006/main">
   <p:cSld>
     <p:spTree>
@@ -6518,56 +6494,56 @@
                 <a:gridCol w="1771508">
                   <a:extLst>
                     <a:ext uri="{9D8B030D-6E8A-4147-A177-3AD203B41FA5}">
-                      <a16:colId xmlns:a16="http://schemas.microsoft.com/office/drawing/2014/main" val="3617150322"/>
+                      <a16:colId xmlns:a16="http://schemas.microsoft.com/office/drawing/2014/main" xmlns="" val="3617150322"/>
                     </a:ext>
                   </a:extLst>
                 </a:gridCol>
                 <a:gridCol w="1151479">
                   <a:extLst>
                     <a:ext uri="{9D8B030D-6E8A-4147-A177-3AD203B41FA5}">
-                      <a16:colId xmlns:a16="http://schemas.microsoft.com/office/drawing/2014/main" val="1846744432"/>
+                      <a16:colId xmlns:a16="http://schemas.microsoft.com/office/drawing/2014/main" xmlns="" val="1846744432"/>
                     </a:ext>
                   </a:extLst>
                 </a:gridCol>
                 <a:gridCol w="1151479">
                   <a:extLst>
                     <a:ext uri="{9D8B030D-6E8A-4147-A177-3AD203B41FA5}">
-                      <a16:colId xmlns:a16="http://schemas.microsoft.com/office/drawing/2014/main" val="1041922810"/>
+                      <a16:colId xmlns:a16="http://schemas.microsoft.com/office/drawing/2014/main" xmlns="" val="1041922810"/>
                     </a:ext>
                   </a:extLst>
                 </a:gridCol>
                 <a:gridCol w="1151479">
                   <a:extLst>
                     <a:ext uri="{9D8B030D-6E8A-4147-A177-3AD203B41FA5}">
-                      <a16:colId xmlns:a16="http://schemas.microsoft.com/office/drawing/2014/main" val="2794287391"/>
+                      <a16:colId xmlns:a16="http://schemas.microsoft.com/office/drawing/2014/main" xmlns="" val="2794287391"/>
                     </a:ext>
                   </a:extLst>
                 </a:gridCol>
                 <a:gridCol w="1062903">
                   <a:extLst>
                     <a:ext uri="{9D8B030D-6E8A-4147-A177-3AD203B41FA5}">
-                      <a16:colId xmlns:a16="http://schemas.microsoft.com/office/drawing/2014/main" val="4237349064"/>
+                      <a16:colId xmlns:a16="http://schemas.microsoft.com/office/drawing/2014/main" xmlns="" val="4237349064"/>
                     </a:ext>
                   </a:extLst>
                 </a:gridCol>
                 <a:gridCol w="1062903">
                   <a:extLst>
                     <a:ext uri="{9D8B030D-6E8A-4147-A177-3AD203B41FA5}">
-                      <a16:colId xmlns:a16="http://schemas.microsoft.com/office/drawing/2014/main" val="2482666463"/>
+                      <a16:colId xmlns:a16="http://schemas.microsoft.com/office/drawing/2014/main" xmlns="" val="2482666463"/>
                     </a:ext>
                   </a:extLst>
                 </a:gridCol>
                 <a:gridCol w="1058969">
                   <a:extLst>
                     <a:ext uri="{9D8B030D-6E8A-4147-A177-3AD203B41FA5}">
-                      <a16:colId xmlns:a16="http://schemas.microsoft.com/office/drawing/2014/main" val="1641844908"/>
+                      <a16:colId xmlns:a16="http://schemas.microsoft.com/office/drawing/2014/main" xmlns="" val="1641844908"/>
                     </a:ext>
                   </a:extLst>
                 </a:gridCol>
                 <a:gridCol w="1686869">
                   <a:extLst>
                     <a:ext uri="{9D8B030D-6E8A-4147-A177-3AD203B41FA5}">
-                      <a16:colId xmlns:a16="http://schemas.microsoft.com/office/drawing/2014/main" val="1664310950"/>
+                      <a16:colId xmlns:a16="http://schemas.microsoft.com/office/drawing/2014/main" xmlns="" val="1664310950"/>
                     </a:ext>
                   </a:extLst>
                 </a:gridCol>
@@ -7005,7 +6981,7 @@
                 </a:tc>
                 <a:extLst>
                   <a:ext uri="{0D108BD9-81ED-4DB2-BD59-A6C34878D82A}">
-                    <a16:rowId xmlns:a16="http://schemas.microsoft.com/office/drawing/2014/main" val="1519811885"/>
+                    <a16:rowId xmlns:a16="http://schemas.microsoft.com/office/drawing/2014/main" xmlns="" val="1519811885"/>
                   </a:ext>
                 </a:extLst>
               </a:tr>
@@ -7286,7 +7262,7 @@
                 </a:tc>
                 <a:extLst>
                   <a:ext uri="{0D108BD9-81ED-4DB2-BD59-A6C34878D82A}">
-                    <a16:rowId xmlns:a16="http://schemas.microsoft.com/office/drawing/2014/main" val="1515587890"/>
+                    <a16:rowId xmlns:a16="http://schemas.microsoft.com/office/drawing/2014/main" xmlns="" val="1515587890"/>
                   </a:ext>
                 </a:extLst>
               </a:tr>
@@ -7567,7 +7543,7 @@
                 </a:tc>
                 <a:extLst>
                   <a:ext uri="{0D108BD9-81ED-4DB2-BD59-A6C34878D82A}">
-                    <a16:rowId xmlns:a16="http://schemas.microsoft.com/office/drawing/2014/main" val="1754021880"/>
+                    <a16:rowId xmlns:a16="http://schemas.microsoft.com/office/drawing/2014/main" xmlns="" val="1754021880"/>
                   </a:ext>
                 </a:extLst>
               </a:tr>
@@ -7848,7 +7824,7 @@
                 </a:tc>
                 <a:extLst>
                   <a:ext uri="{0D108BD9-81ED-4DB2-BD59-A6C34878D82A}">
-                    <a16:rowId xmlns:a16="http://schemas.microsoft.com/office/drawing/2014/main" val="4236839474"/>
+                    <a16:rowId xmlns:a16="http://schemas.microsoft.com/office/drawing/2014/main" xmlns="" val="4236839474"/>
                   </a:ext>
                 </a:extLst>
               </a:tr>
@@ -8129,7 +8105,7 @@
                 </a:tc>
                 <a:extLst>
                   <a:ext uri="{0D108BD9-81ED-4DB2-BD59-A6C34878D82A}">
-                    <a16:rowId xmlns:a16="http://schemas.microsoft.com/office/drawing/2014/main" val="3455569160"/>
+                    <a16:rowId xmlns:a16="http://schemas.microsoft.com/office/drawing/2014/main" xmlns="" val="3455569160"/>
                   </a:ext>
                 </a:extLst>
               </a:tr>
@@ -8410,7 +8386,7 @@
                 </a:tc>
                 <a:extLst>
                   <a:ext uri="{0D108BD9-81ED-4DB2-BD59-A6C34878D82A}">
-                    <a16:rowId xmlns:a16="http://schemas.microsoft.com/office/drawing/2014/main" val="3969783144"/>
+                    <a16:rowId xmlns:a16="http://schemas.microsoft.com/office/drawing/2014/main" xmlns="" val="3969783144"/>
                   </a:ext>
                 </a:extLst>
               </a:tr>
@@ -8697,7 +8673,7 @@
                 </a:tc>
                 <a:extLst>
                   <a:ext uri="{0D108BD9-81ED-4DB2-BD59-A6C34878D82A}">
-                    <a16:rowId xmlns:a16="http://schemas.microsoft.com/office/drawing/2014/main" val="236136905"/>
+                    <a16:rowId xmlns:a16="http://schemas.microsoft.com/office/drawing/2014/main" xmlns="" val="236136905"/>
                   </a:ext>
                 </a:extLst>
               </a:tr>
@@ -8935,6 +8911,141 @@
   <p:clrMapOvr>
     <a:masterClrMapping/>
   </p:clrMapOvr>
+  <p:timing>
+    <p:tnLst>
+      <p:par>
+        <p:cTn id="1" dur="indefinite" restart="never" nodeType="tmRoot"/>
+      </p:par>
+    </p:tnLst>
+  </p:timing>
+</p:sld>
+</file>
+
+<file path=ppt/slides/slide19.xml><?xml version="1.0" encoding="utf-8"?>
+<p:sld xmlns:a="http://schemas.openxmlformats.org/drawingml/2006/main" xmlns:r="http://schemas.openxmlformats.org/officeDocument/2006/relationships" xmlns:p="http://schemas.openxmlformats.org/presentationml/2006/main">
+  <p:cSld>
+    <p:spTree>
+      <p:nvGrpSpPr>
+        <p:cNvPr id="1" name=""/>
+        <p:cNvGrpSpPr/>
+        <p:nvPr/>
+      </p:nvGrpSpPr>
+      <p:grpSpPr>
+        <a:xfrm>
+          <a:off x="0" y="0"/>
+          <a:ext cx="0" cy="0"/>
+          <a:chOff x="0" y="0"/>
+          <a:chExt cx="0" cy="0"/>
+        </a:xfrm>
+      </p:grpSpPr>
+      <p:sp>
+        <p:nvSpPr>
+          <p:cNvPr id="2" name="Title 1"/>
+          <p:cNvSpPr>
+            <a:spLocks noGrp="1"/>
+          </p:cNvSpPr>
+          <p:nvPr>
+            <p:ph type="title"/>
+          </p:nvPr>
+        </p:nvSpPr>
+        <p:spPr>
+          <a:xfrm>
+            <a:off x="677335" y="609600"/>
+            <a:ext cx="8596668" cy="1206137"/>
+          </a:xfrm>
+        </p:spPr>
+        <p:txBody>
+          <a:bodyPr/>
+          <a:lstStyle/>
+          <a:p>
+            <a:r>
+              <a:rPr lang="en-US" dirty="0" smtClean="0"/>
+              <a:t>Conclusion</a:t>
+            </a:r>
+            <a:endParaRPr lang="en-US" dirty="0"/>
+          </a:p>
+        </p:txBody>
+      </p:sp>
+      <p:sp>
+        <p:nvSpPr>
+          <p:cNvPr id="3" name="Text Placeholder 2"/>
+          <p:cNvSpPr>
+            <a:spLocks noGrp="1"/>
+          </p:cNvSpPr>
+          <p:nvPr>
+            <p:ph type="body" idx="1"/>
+          </p:nvPr>
+        </p:nvSpPr>
+        <p:spPr>
+          <a:xfrm>
+            <a:off x="677335" y="1972491"/>
+            <a:ext cx="8596668" cy="4068871"/>
+          </a:xfrm>
+        </p:spPr>
+        <p:txBody>
+          <a:bodyPr/>
+          <a:lstStyle/>
+          <a:p>
+            <a:pPr algn="just"/>
+            <a:r>
+              <a:rPr lang="en-US" dirty="0" smtClean="0"/>
+              <a:t>         The </a:t>
+            </a:r>
+            <a:r>
+              <a:rPr lang="en-US" dirty="0"/>
+              <a:t>app provide a great convenience for all users. Users could get all information that they are interested in at once without moving from site to site</a:t>
+            </a:r>
+            <a:r>
+              <a:rPr lang="en-US" dirty="0" smtClean="0"/>
+              <a:t>.</a:t>
+            </a:r>
+          </a:p>
+          <a:p>
+            <a:pPr algn="just"/>
+            <a:endParaRPr lang="en-US" dirty="0"/>
+          </a:p>
+          <a:p>
+            <a:pPr algn="just"/>
+            <a:r>
+              <a:rPr lang="en-US" dirty="0"/>
+              <a:t>         All people who are famous in Myanmar are collected and presented in the app. In which app including common facts about celebrities, writers, business men and also even politicians. </a:t>
+            </a:r>
+            <a:endParaRPr lang="en-US" dirty="0" smtClean="0"/>
+          </a:p>
+          <a:p>
+            <a:pPr algn="just"/>
+            <a:endParaRPr lang="en-US" dirty="0"/>
+          </a:p>
+          <a:p>
+            <a:pPr algn="just"/>
+            <a:r>
+              <a:rPr lang="en-US" dirty="0"/>
+              <a:t>         The app’s contents are human readable form and navigate you to the information store you want to know. It can be accessed from both mobile phones and computers with internet access. Moreover, up to date people’s news are provided for users at any given time.</a:t>
+            </a:r>
+          </a:p>
+          <a:p>
+            <a:pPr algn="just"/>
+            <a:endParaRPr lang="en-US" dirty="0"/>
+          </a:p>
+        </p:txBody>
+      </p:sp>
+    </p:spTree>
+    <p:extLst>
+      <p:ext uri="{BB962C8B-B14F-4D97-AF65-F5344CB8AC3E}">
+        <p14:creationId xmlns:p14="http://schemas.microsoft.com/office/powerpoint/2010/main" val="739839842"/>
+      </p:ext>
+    </p:extLst>
+  </p:cSld>
+  <p:clrMapOvr>
+    <a:masterClrMapping/>
+  </p:clrMapOvr>
+  <p:timing>
+    <p:tnLst>
+      <p:par>
+        <p:cTn id="1" dur="indefinite" restart="never" nodeType="tmRoot"/>
+      </p:par>
+    </p:tnLst>
+  </p:timing>
 </p:sld>
 </file>
 
@@ -9169,6 +9280,13 @@
   <p:clrMapOvr>
     <a:masterClrMapping/>
   </p:clrMapOvr>
+  <p:timing>
+    <p:tnLst>
+      <p:par>
+        <p:cTn id="1" dur="indefinite" restart="never" nodeType="tmRoot"/>
+      </p:par>
+    </p:tnLst>
+  </p:timing>
 </p:sld>
 </file>
 
@@ -9201,127 +9319,6 @@
         </p:nvSpPr>
         <p:spPr>
           <a:xfrm>
-            <a:off x="677335" y="609600"/>
-            <a:ext cx="8596668" cy="1206137"/>
-          </a:xfrm>
-        </p:spPr>
-        <p:txBody>
-          <a:bodyPr/>
-          <a:lstStyle/>
-          <a:p>
-            <a:r>
-              <a:rPr lang="en-US" dirty="0" smtClean="0"/>
-              <a:t>Conclusion</a:t>
-            </a:r>
-            <a:endParaRPr lang="en-US" dirty="0"/>
-          </a:p>
-        </p:txBody>
-      </p:sp>
-      <p:sp>
-        <p:nvSpPr>
-          <p:cNvPr id="3" name="Text Placeholder 2"/>
-          <p:cNvSpPr>
-            <a:spLocks noGrp="1"/>
-          </p:cNvSpPr>
-          <p:nvPr>
-            <p:ph type="body" idx="1"/>
-          </p:nvPr>
-        </p:nvSpPr>
-        <p:spPr>
-          <a:xfrm>
-            <a:off x="677335" y="1972491"/>
-            <a:ext cx="8596668" cy="4068871"/>
-          </a:xfrm>
-        </p:spPr>
-        <p:txBody>
-          <a:bodyPr/>
-          <a:lstStyle/>
-          <a:p>
-            <a:pPr algn="just"/>
-            <a:r>
-              <a:rPr lang="en-US" dirty="0" smtClean="0"/>
-              <a:t>         The </a:t>
-            </a:r>
-            <a:r>
-              <a:rPr lang="en-US" dirty="0"/>
-              <a:t>app provide a great convenience for all users. Users could get all information that they are interested in at once without moving from site to site</a:t>
-            </a:r>
-            <a:r>
-              <a:rPr lang="en-US" dirty="0" smtClean="0"/>
-              <a:t>.</a:t>
-            </a:r>
-          </a:p>
-          <a:p>
-            <a:pPr algn="just"/>
-            <a:endParaRPr lang="en-US" dirty="0"/>
-          </a:p>
-          <a:p>
-            <a:pPr algn="just"/>
-            <a:r>
-              <a:rPr lang="en-US" dirty="0"/>
-              <a:t>         All people who are famous in Myanmar are collected and presented in the app. In which app including common facts about celebrities, writers, business men and also even politicians. </a:t>
-            </a:r>
-            <a:endParaRPr lang="en-US" dirty="0" smtClean="0"/>
-          </a:p>
-          <a:p>
-            <a:pPr algn="just"/>
-            <a:endParaRPr lang="en-US" dirty="0"/>
-          </a:p>
-          <a:p>
-            <a:pPr algn="just"/>
-            <a:r>
-              <a:rPr lang="en-US" dirty="0"/>
-              <a:t>         The app’s contents are human readable form and navigate you to the information store you want to know. It can be accessed from both mobile phones and computers with internet access. Moreover, up to date people’s news are provided for users at any given time.</a:t>
-            </a:r>
-          </a:p>
-          <a:p>
-            <a:pPr algn="just"/>
-            <a:endParaRPr lang="en-US" dirty="0"/>
-          </a:p>
-        </p:txBody>
-      </p:sp>
-    </p:spTree>
-    <p:extLst>
-      <p:ext uri="{BB962C8B-B14F-4D97-AF65-F5344CB8AC3E}">
-        <p14:creationId xmlns:p14="http://schemas.microsoft.com/office/powerpoint/2010/main" val="739839842"/>
-      </p:ext>
-    </p:extLst>
-  </p:cSld>
-  <p:clrMapOvr>
-    <a:masterClrMapping/>
-  </p:clrMapOvr>
-</p:sld>
-</file>
-
-<file path=ppt/slides/slide21.xml><?xml version="1.0" encoding="utf-8"?>
-<p:sld xmlns:a="http://schemas.openxmlformats.org/drawingml/2006/main" xmlns:r="http://schemas.openxmlformats.org/officeDocument/2006/relationships" xmlns:p="http://schemas.openxmlformats.org/presentationml/2006/main">
-  <p:cSld>
-    <p:spTree>
-      <p:nvGrpSpPr>
-        <p:cNvPr id="1" name=""/>
-        <p:cNvGrpSpPr/>
-        <p:nvPr/>
-      </p:nvGrpSpPr>
-      <p:grpSpPr>
-        <a:xfrm>
-          <a:off x="0" y="0"/>
-          <a:ext cx="0" cy="0"/>
-          <a:chOff x="0" y="0"/>
-          <a:chExt cx="0" cy="0"/>
-        </a:xfrm>
-      </p:grpSpPr>
-      <p:sp>
-        <p:nvSpPr>
-          <p:cNvPr id="2" name="Title 1"/>
-          <p:cNvSpPr>
-            <a:spLocks noGrp="1"/>
-          </p:cNvSpPr>
-          <p:nvPr>
-            <p:ph type="title"/>
-          </p:nvPr>
-        </p:nvSpPr>
-        <p:spPr>
-          <a:xfrm>
             <a:off x="821024" y="2299064"/>
             <a:ext cx="9537821" cy="3605348"/>
           </a:xfrm>
@@ -9351,6 +9348,13 @@
   <p:clrMapOvr>
     <a:masterClrMapping/>
   </p:clrMapOvr>
+  <p:timing>
+    <p:tnLst>
+      <p:par>
+        <p:cTn id="1" dur="indefinite" restart="never" nodeType="tmRoot"/>
+      </p:par>
+    </p:tnLst>
+  </p:timing>
 </p:sld>
 </file>
 
@@ -9632,6 +9636,13 @@
   <p:clrMapOvr>
     <a:masterClrMapping/>
   </p:clrMapOvr>
+  <p:timing>
+    <p:tnLst>
+      <p:par>
+        <p:cTn id="1" dur="indefinite" restart="never" nodeType="tmRoot"/>
+      </p:par>
+    </p:tnLst>
+  </p:timing>
 </p:sld>
 </file>
 
@@ -9676,6 +9687,7 @@
             <a:endParaRPr lang="en-US" dirty="0" smtClean="0"/>
           </a:p>
           <a:p>
+            <a:pPr algn="r"/>
             <a:endParaRPr lang="en-US" dirty="0" smtClean="0"/>
           </a:p>
           <a:p>
@@ -9706,8 +9718,20 @@
           </a:p>
           <a:p>
             <a:r>
+              <a:rPr lang="en-US" dirty="0" smtClean="0"/>
+              <a:t>5CS-7</a:t>
+            </a:r>
+            <a:r>
               <a:rPr lang="en-US" dirty="0"/>
-              <a:t>7							Ma San </a:t>
+              <a:t>						</a:t>
+            </a:r>
+            <a:r>
+              <a:rPr lang="en-US" dirty="0" smtClean="0"/>
+              <a:t>Ma </a:t>
+            </a:r>
+            <a:r>
+              <a:rPr lang="en-US" dirty="0"/>
+              <a:t>San </a:t>
             </a:r>
             <a:r>
               <a:rPr lang="en-US" dirty="0" err="1"/>
@@ -9735,12 +9759,9 @@
             <a:endParaRPr lang="en-US" dirty="0"/>
           </a:p>
           <a:p>
-            <a:pPr marL="342900" indent="-342900">
-              <a:buAutoNum type="arabicPlain" startAt="8"/>
-            </a:pPr>
             <a:r>
               <a:rPr lang="en-US" dirty="0" smtClean="0"/>
-              <a:t>                                          Ma </a:t>
+              <a:t>5CS-8                                       Ma </a:t>
             </a:r>
             <a:r>
               <a:rPr lang="en-US" dirty="0"/>
@@ -9763,12 +9784,9 @@
             <a:endParaRPr lang="en-US" dirty="0"/>
           </a:p>
           <a:p>
-            <a:pPr marL="342900" indent="-342900">
-              <a:buAutoNum type="arabicPlain" startAt="9"/>
-            </a:pPr>
             <a:r>
               <a:rPr lang="en-US" dirty="0" smtClean="0"/>
-              <a:t>                                          Ma </a:t>
+              <a:t>5CS-9                                       Ma </a:t>
             </a:r>
             <a:r>
               <a:rPr lang="en-US" dirty="0" err="1"/>
@@ -9806,7 +9824,11 @@
           <a:p>
             <a:r>
               <a:rPr lang="en-US" dirty="0" smtClean="0"/>
-              <a:t>8                                             Ma </a:t>
+              <a:t>5CS-10</a:t>
+            </a:r>
+            <a:r>
+              <a:rPr lang="en-US" dirty="0" smtClean="0"/>
+              <a:t>                                     Ma </a:t>
             </a:r>
             <a:r>
               <a:rPr lang="en-US" dirty="0"/>
@@ -9837,12 +9859,9 @@
             <a:endParaRPr lang="en-US" dirty="0"/>
           </a:p>
           <a:p>
-            <a:pPr marL="342900" indent="-342900">
-              <a:buAutoNum type="arabicPlain" startAt="11"/>
-            </a:pPr>
             <a:r>
               <a:rPr lang="en-US" dirty="0" smtClean="0"/>
-              <a:t>                                          Ma </a:t>
+              <a:t>5CS-11                                      Ma </a:t>
             </a:r>
             <a:r>
               <a:rPr lang="en-US" dirty="0" err="1"/>
@@ -9878,8 +9897,16 @@
           </a:p>
           <a:p>
             <a:r>
+              <a:rPr lang="en-US" dirty="0" smtClean="0"/>
+              <a:t>5CS-12</a:t>
+            </a:r>
+            <a:r>
               <a:rPr lang="en-US" dirty="0"/>
-              <a:t>12							Ma </a:t>
+              <a:t>						</a:t>
+            </a:r>
+            <a:r>
+              <a:rPr lang="en-US" dirty="0" smtClean="0"/>
+              <a:t> Ma </a:t>
             </a:r>
             <a:r>
               <a:rPr lang="en-US" dirty="0" err="1"/>
@@ -9910,6 +9937,13 @@
   <p:clrMapOvr>
     <a:masterClrMapping/>
   </p:clrMapOvr>
+  <p:timing>
+    <p:tnLst>
+      <p:par>
+        <p:cTn id="1" dur="indefinite" restart="never" nodeType="tmRoot"/>
+      </p:par>
+    </p:tnLst>
+  </p:timing>
 </p:sld>
 </file>
 
@@ -10200,6 +10234,13 @@
   <p:clrMapOvr>
     <a:masterClrMapping/>
   </p:clrMapOvr>
+  <p:timing>
+    <p:tnLst>
+      <p:par>
+        <p:cTn id="1" dur="indefinite" restart="never" nodeType="tmRoot"/>
+      </p:par>
+    </p:tnLst>
+  </p:timing>
 </p:sld>
 </file>
 
@@ -10378,6 +10419,13 @@
   <p:clrMapOvr>
     <a:masterClrMapping/>
   </p:clrMapOvr>
+  <p:timing>
+    <p:tnLst>
+      <p:par>
+        <p:cTn id="1" dur="indefinite" restart="never" nodeType="tmRoot"/>
+      </p:par>
+    </p:tnLst>
+  </p:timing>
 </p:sld>
 </file>
 
@@ -10563,6 +10611,13 @@
   <p:clrMapOvr>
     <a:masterClrMapping/>
   </p:clrMapOvr>
+  <p:timing>
+    <p:tnLst>
+      <p:par>
+        <p:cTn id="1" dur="indefinite" restart="never" nodeType="tmRoot"/>
+      </p:par>
+    </p:tnLst>
+  </p:timing>
 </p:sld>
 </file>
 
@@ -10732,6 +10787,13 @@
   <p:clrMapOvr>
     <a:masterClrMapping/>
   </p:clrMapOvr>
+  <p:timing>
+    <p:tnLst>
+      <p:par>
+        <p:cTn id="1" dur="indefinite" restart="never" nodeType="tmRoot"/>
+      </p:par>
+    </p:tnLst>
+  </p:timing>
 </p:sld>
 </file>
 
@@ -10764,8 +10826,8 @@
         </p:nvSpPr>
         <p:spPr>
           <a:xfrm>
-            <a:off x="677334" y="143691"/>
-            <a:ext cx="10478346" cy="888275"/>
+            <a:off x="1084217" y="609600"/>
+            <a:ext cx="9444445" cy="801189"/>
           </a:xfrm>
         </p:spPr>
         <p:txBody>
@@ -10777,1169 +10839,70 @@
             <a:pPr algn="ctr"/>
             <a:r>
               <a:rPr lang="en-US" sz="3200" dirty="0" err="1" smtClean="0"/>
-              <a:t>FlowChart</a:t>
+              <a:t>Usecase</a:t>
             </a:r>
             <a:r>
               <a:rPr lang="en-US" sz="3200" dirty="0" smtClean="0"/>
-              <a:t> </a:t>
-            </a:r>
-            <a:r>
-              <a:rPr lang="en-US" sz="3200" dirty="0"/>
-              <a:t>Diagram for Who is Who in Myanmar</a:t>
-            </a:r>
-          </a:p>
-        </p:txBody>
-      </p:sp>
-      <p:sp>
-        <p:nvSpPr>
-          <p:cNvPr id="3" name="Content Placeholder 2"/>
-          <p:cNvSpPr>
-            <a:spLocks noGrp="1"/>
-          </p:cNvSpPr>
+              <a:t> Diagram for Who is Who in Myanmar</a:t>
+            </a:r>
+            <a:endParaRPr lang="en-US" sz="3200" dirty="0"/>
+          </a:p>
+        </p:txBody>
+      </p:sp>
+      <p:pic>
+        <p:nvPicPr>
+          <p:cNvPr id="5" name="Content Placeholder 4"/>
+          <p:cNvPicPr>
+            <a:picLocks noGrp="1"/>
+          </p:cNvPicPr>
           <p:nvPr>
             <p:ph idx="1"/>
           </p:nvPr>
-        </p:nvSpPr>
-        <p:spPr>
+        </p:nvPicPr>
+        <p:blipFill>
+          <a:blip r:embed="rId2">
+            <a:extLst>
+              <a:ext uri="{28A0092B-C50C-407E-A947-70E740481C1C}">
+                <a14:useLocalDpi xmlns:a14="http://schemas.microsoft.com/office/drawing/2010/main" val="0"/>
+              </a:ext>
+            </a:extLst>
+          </a:blip>
+          <a:srcRect/>
+          <a:stretch>
+            <a:fillRect/>
+          </a:stretch>
+        </p:blipFill>
+        <p:spPr bwMode="auto">
           <a:xfrm>
-            <a:off x="906901" y="856923"/>
-            <a:ext cx="10248779" cy="5682342"/>
+            <a:off x="2369711" y="1532586"/>
+            <a:ext cx="5563673" cy="4496561"/>
           </a:xfrm>
-        </p:spPr>
-        <p:style>
-          <a:lnRef idx="2">
-            <a:schemeClr val="accent6"/>
-          </a:lnRef>
-          <a:fillRef idx="1">
-            <a:schemeClr val="lt1"/>
-          </a:fillRef>
-          <a:effectRef idx="0">
-            <a:schemeClr val="accent6"/>
-          </a:effectRef>
-          <a:fontRef idx="minor">
-            <a:schemeClr val="dk1"/>
-          </a:fontRef>
-        </p:style>
-        <p:txBody>
-          <a:bodyPr/>
-          <a:lstStyle/>
-          <a:p>
-            <a:pPr marL="0" indent="0">
-              <a:buNone/>
-            </a:pPr>
-            <a:endParaRPr lang="en-US" dirty="0" smtClean="0"/>
-          </a:p>
-          <a:p>
-            <a:pPr marL="0" indent="0">
-              <a:buNone/>
-            </a:pPr>
-            <a:endParaRPr lang="en-US" dirty="0"/>
-          </a:p>
-          <a:p>
-            <a:pPr marL="0" indent="0">
-              <a:buNone/>
-            </a:pPr>
-            <a:endParaRPr lang="en-US" dirty="0" smtClean="0"/>
-          </a:p>
-          <a:p>
-            <a:pPr marL="0" indent="0">
-              <a:buNone/>
-            </a:pPr>
-            <a:endParaRPr lang="en-US" dirty="0"/>
-          </a:p>
-          <a:p>
-            <a:pPr marL="0" indent="0">
-              <a:buNone/>
-            </a:pPr>
-            <a:endParaRPr lang="en-US" dirty="0" smtClean="0"/>
-          </a:p>
-          <a:p>
-            <a:pPr marL="0" indent="0">
-              <a:buNone/>
-            </a:pPr>
-            <a:r>
-              <a:rPr lang="en-US" sz="1200" dirty="0" smtClean="0"/>
-              <a:t>                        </a:t>
-            </a:r>
-            <a:r>
-              <a:rPr lang="en-US" sz="1400" dirty="0" smtClean="0"/>
-              <a:t>choose                </a:t>
-            </a:r>
-            <a:r>
-              <a:rPr lang="en-US" sz="1400" dirty="0" err="1" smtClean="0"/>
-              <a:t>choose</a:t>
-            </a:r>
-            <a:r>
-              <a:rPr lang="en-US" sz="1400" dirty="0" smtClean="0"/>
-              <a:t>           </a:t>
-            </a:r>
-            <a:r>
-              <a:rPr lang="en-US" sz="1400" dirty="0" err="1" smtClean="0"/>
-              <a:t>choose</a:t>
-            </a:r>
-            <a:r>
-              <a:rPr lang="en-US" sz="1400" smtClean="0"/>
-              <a:t>               choose</a:t>
-            </a:r>
-            <a:r>
-              <a:rPr lang="en-US" sz="1400" dirty="0" smtClean="0"/>
-              <a:t>             </a:t>
-            </a:r>
-            <a:r>
-              <a:rPr lang="en-US" sz="1400" dirty="0" err="1" smtClean="0"/>
-              <a:t>choose</a:t>
-            </a:r>
-            <a:r>
-              <a:rPr lang="en-US" sz="1400" dirty="0" smtClean="0"/>
-              <a:t>                </a:t>
-            </a:r>
-            <a:r>
-              <a:rPr lang="en-US" sz="1400" dirty="0" err="1" smtClean="0"/>
-              <a:t>choose</a:t>
-            </a:r>
-            <a:endParaRPr lang="en-US" sz="1400" dirty="0"/>
-          </a:p>
-        </p:txBody>
-      </p:sp>
-      <p:sp>
-        <p:nvSpPr>
-          <p:cNvPr id="4" name="Rounded Rectangle 3"/>
-          <p:cNvSpPr/>
-          <p:nvPr/>
-        </p:nvSpPr>
-        <p:spPr>
-          <a:xfrm>
-            <a:off x="4826725" y="1222683"/>
-            <a:ext cx="1358538" cy="522515"/>
-          </a:xfrm>
-          <a:prstGeom prst="roundRect">
+          <a:prstGeom prst="rect">
             <a:avLst/>
           </a:prstGeom>
+          <a:noFill/>
           <a:ln>
-            <a:solidFill>
-              <a:schemeClr val="tx1"/>
-            </a:solidFill>
+            <a:noFill/>
           </a:ln>
         </p:spPr>
-        <p:style>
-          <a:lnRef idx="2">
-            <a:schemeClr val="accent6"/>
-          </a:lnRef>
-          <a:fillRef idx="1">
-            <a:schemeClr val="lt1"/>
-          </a:fillRef>
-          <a:effectRef idx="0">
-            <a:schemeClr val="accent6"/>
-          </a:effectRef>
-          <a:fontRef idx="minor">
-            <a:schemeClr val="dk1"/>
-          </a:fontRef>
-        </p:style>
-        <p:txBody>
-          <a:bodyPr rtlCol="0" anchor="ctr"/>
-          <a:lstStyle/>
-          <a:p>
-            <a:pPr algn="ctr"/>
-            <a:r>
-              <a:rPr lang="en-US" sz="1400" dirty="0" smtClean="0"/>
-              <a:t>Home</a:t>
-            </a:r>
-            <a:endParaRPr lang="en-US" sz="1400" dirty="0"/>
-          </a:p>
-        </p:txBody>
-      </p:sp>
-      <p:sp>
-        <p:nvSpPr>
-          <p:cNvPr id="5" name="Flowchart: Decision 4"/>
-          <p:cNvSpPr/>
-          <p:nvPr/>
-        </p:nvSpPr>
-        <p:spPr>
-          <a:xfrm>
-            <a:off x="4715691" y="2103120"/>
-            <a:ext cx="1580606" cy="795528"/>
-          </a:xfrm>
-          <a:prstGeom prst="flowChartDecision">
-            <a:avLst/>
-          </a:prstGeom>
-          <a:ln>
-            <a:solidFill>
-              <a:schemeClr val="tx1"/>
-            </a:solidFill>
-          </a:ln>
-        </p:spPr>
-        <p:style>
-          <a:lnRef idx="2">
-            <a:schemeClr val="accent6"/>
-          </a:lnRef>
-          <a:fillRef idx="1">
-            <a:schemeClr val="lt1"/>
-          </a:fillRef>
-          <a:effectRef idx="0">
-            <a:schemeClr val="accent6"/>
-          </a:effectRef>
-          <a:fontRef idx="minor">
-            <a:schemeClr val="dk1"/>
-          </a:fontRef>
-        </p:style>
-        <p:txBody>
-          <a:bodyPr rtlCol="0" anchor="ctr"/>
-          <a:lstStyle/>
-          <a:p>
-            <a:pPr algn="ctr"/>
-            <a:r>
-              <a:rPr lang="en-US" sz="1400" dirty="0" smtClean="0"/>
-              <a:t>Choice Page</a:t>
-            </a:r>
-            <a:endParaRPr lang="en-US" sz="1400" dirty="0"/>
-          </a:p>
-        </p:txBody>
-      </p:sp>
-      <p:sp>
-        <p:nvSpPr>
-          <p:cNvPr id="6" name="Flowchart: Process 5"/>
-          <p:cNvSpPr/>
-          <p:nvPr/>
-        </p:nvSpPr>
-        <p:spPr>
-          <a:xfrm>
-            <a:off x="1076719" y="3423775"/>
-            <a:ext cx="1170092" cy="612648"/>
-          </a:xfrm>
-          <a:prstGeom prst="flowChartProcess">
-            <a:avLst/>
-          </a:prstGeom>
-          <a:ln>
-            <a:solidFill>
-              <a:schemeClr val="tx1"/>
-            </a:solidFill>
-          </a:ln>
-        </p:spPr>
-        <p:style>
-          <a:lnRef idx="2">
-            <a:schemeClr val="accent6"/>
-          </a:lnRef>
-          <a:fillRef idx="1">
-            <a:schemeClr val="lt1"/>
-          </a:fillRef>
-          <a:effectRef idx="0">
-            <a:schemeClr val="accent6"/>
-          </a:effectRef>
-          <a:fontRef idx="minor">
-            <a:schemeClr val="dk1"/>
-          </a:fontRef>
-        </p:style>
-        <p:txBody>
-          <a:bodyPr rtlCol="0" anchor="ctr"/>
-          <a:lstStyle/>
-          <a:p>
-            <a:pPr algn="ctr"/>
-            <a:r>
-              <a:rPr lang="en-US" sz="1400" dirty="0" smtClean="0"/>
-              <a:t>Political</a:t>
-            </a:r>
-            <a:endParaRPr lang="en-US" sz="1400" dirty="0"/>
-          </a:p>
-        </p:txBody>
-      </p:sp>
-      <p:sp>
-        <p:nvSpPr>
-          <p:cNvPr id="7" name="Flowchart: Process 6"/>
-          <p:cNvSpPr/>
-          <p:nvPr/>
-        </p:nvSpPr>
-        <p:spPr>
-          <a:xfrm>
-            <a:off x="2720708" y="3423775"/>
-            <a:ext cx="1227910" cy="612648"/>
-          </a:xfrm>
-          <a:prstGeom prst="flowChartProcess">
-            <a:avLst/>
-          </a:prstGeom>
-          <a:ln>
-            <a:solidFill>
-              <a:schemeClr val="tx1"/>
-            </a:solidFill>
-          </a:ln>
-        </p:spPr>
-        <p:style>
-          <a:lnRef idx="2">
-            <a:schemeClr val="accent6"/>
-          </a:lnRef>
-          <a:fillRef idx="1">
-            <a:schemeClr val="lt1"/>
-          </a:fillRef>
-          <a:effectRef idx="0">
-            <a:schemeClr val="accent6"/>
-          </a:effectRef>
-          <a:fontRef idx="minor">
-            <a:schemeClr val="dk1"/>
-          </a:fontRef>
-        </p:style>
-        <p:txBody>
-          <a:bodyPr rtlCol="0" anchor="ctr"/>
-          <a:lstStyle/>
-          <a:p>
-            <a:pPr algn="ctr"/>
-            <a:r>
-              <a:rPr lang="en-US" sz="1400" dirty="0" smtClean="0"/>
-              <a:t>Writer</a:t>
-            </a:r>
-            <a:endParaRPr lang="en-US" sz="1400" dirty="0"/>
-          </a:p>
-        </p:txBody>
-      </p:sp>
-      <p:sp>
-        <p:nvSpPr>
-          <p:cNvPr id="9" name="Flowchart: Process 8"/>
-          <p:cNvSpPr/>
-          <p:nvPr/>
-        </p:nvSpPr>
-        <p:spPr>
-          <a:xfrm>
-            <a:off x="4376904" y="3448800"/>
-            <a:ext cx="1214848" cy="612648"/>
-          </a:xfrm>
-          <a:prstGeom prst="flowChartProcess">
-            <a:avLst/>
-          </a:prstGeom>
-          <a:ln>
-            <a:solidFill>
-              <a:schemeClr val="tx1"/>
-            </a:solidFill>
-          </a:ln>
-        </p:spPr>
-        <p:style>
-          <a:lnRef idx="2">
-            <a:schemeClr val="accent6"/>
-          </a:lnRef>
-          <a:fillRef idx="1">
-            <a:schemeClr val="lt1"/>
-          </a:fillRef>
-          <a:effectRef idx="0">
-            <a:schemeClr val="accent6"/>
-          </a:effectRef>
-          <a:fontRef idx="minor">
-            <a:schemeClr val="dk1"/>
-          </a:fontRef>
-        </p:style>
-        <p:txBody>
-          <a:bodyPr rtlCol="0" anchor="ctr"/>
-          <a:lstStyle/>
-          <a:p>
-            <a:pPr algn="ctr"/>
-            <a:r>
-              <a:rPr lang="en-US" sz="1400" dirty="0" smtClean="0"/>
-              <a:t>Director</a:t>
-            </a:r>
-            <a:endParaRPr lang="en-US" sz="1400" dirty="0"/>
-          </a:p>
-        </p:txBody>
-      </p:sp>
-      <p:sp>
-        <p:nvSpPr>
-          <p:cNvPr id="10" name="Flowchart: Process 9"/>
-          <p:cNvSpPr/>
-          <p:nvPr/>
-        </p:nvSpPr>
-        <p:spPr>
-          <a:xfrm>
-            <a:off x="6000931" y="3379687"/>
-            <a:ext cx="1130904" cy="612648"/>
-          </a:xfrm>
-          <a:prstGeom prst="flowChartProcess">
-            <a:avLst/>
-          </a:prstGeom>
-          <a:ln>
-            <a:solidFill>
-              <a:schemeClr val="tx1"/>
-            </a:solidFill>
-          </a:ln>
-        </p:spPr>
-        <p:style>
-          <a:lnRef idx="2">
-            <a:schemeClr val="accent6"/>
-          </a:lnRef>
-          <a:fillRef idx="1">
-            <a:schemeClr val="lt1"/>
-          </a:fillRef>
-          <a:effectRef idx="0">
-            <a:schemeClr val="accent6"/>
-          </a:effectRef>
-          <a:fontRef idx="minor">
-            <a:schemeClr val="dk1"/>
-          </a:fontRef>
-        </p:style>
-        <p:txBody>
-          <a:bodyPr rtlCol="0" anchor="ctr"/>
-          <a:lstStyle/>
-          <a:p>
-            <a:pPr algn="ctr"/>
-            <a:r>
-              <a:rPr lang="en-US" sz="1400" dirty="0" smtClean="0"/>
-              <a:t>Actor</a:t>
-            </a:r>
-            <a:endParaRPr lang="en-US" sz="1400" dirty="0"/>
-          </a:p>
-        </p:txBody>
-      </p:sp>
-      <p:sp>
-        <p:nvSpPr>
-          <p:cNvPr id="11" name="Flowchart: Process 10"/>
-          <p:cNvSpPr/>
-          <p:nvPr/>
-        </p:nvSpPr>
-        <p:spPr>
-          <a:xfrm>
-            <a:off x="7667894" y="3391770"/>
-            <a:ext cx="1110345" cy="612648"/>
-          </a:xfrm>
-          <a:prstGeom prst="flowChartProcess">
-            <a:avLst/>
-          </a:prstGeom>
-          <a:ln>
-            <a:solidFill>
-              <a:schemeClr val="tx1"/>
-            </a:solidFill>
-          </a:ln>
-        </p:spPr>
-        <p:style>
-          <a:lnRef idx="2">
-            <a:schemeClr val="accent6"/>
-          </a:lnRef>
-          <a:fillRef idx="1">
-            <a:schemeClr val="lt1"/>
-          </a:fillRef>
-          <a:effectRef idx="0">
-            <a:schemeClr val="accent6"/>
-          </a:effectRef>
-          <a:fontRef idx="minor">
-            <a:schemeClr val="dk1"/>
-          </a:fontRef>
-        </p:style>
-        <p:txBody>
-          <a:bodyPr rtlCol="0" anchor="ctr"/>
-          <a:lstStyle/>
-          <a:p>
-            <a:pPr algn="ctr"/>
-            <a:r>
-              <a:rPr lang="en-US" sz="1400" dirty="0" smtClean="0"/>
-              <a:t>Singer</a:t>
-            </a:r>
-            <a:endParaRPr lang="en-US" sz="1400" dirty="0"/>
-          </a:p>
-        </p:txBody>
-      </p:sp>
-      <p:sp>
-        <p:nvSpPr>
-          <p:cNvPr id="12" name="Flowchart: Process 11"/>
-          <p:cNvSpPr/>
-          <p:nvPr/>
-        </p:nvSpPr>
-        <p:spPr>
-          <a:xfrm>
-            <a:off x="9295185" y="3423775"/>
-            <a:ext cx="1207352" cy="612648"/>
-          </a:xfrm>
-          <a:prstGeom prst="flowChartProcess">
-            <a:avLst/>
-          </a:prstGeom>
-          <a:ln>
-            <a:solidFill>
-              <a:schemeClr val="tx1"/>
-            </a:solidFill>
-          </a:ln>
-        </p:spPr>
-        <p:style>
-          <a:lnRef idx="2">
-            <a:schemeClr val="accent6"/>
-          </a:lnRef>
-          <a:fillRef idx="1">
-            <a:schemeClr val="lt1"/>
-          </a:fillRef>
-          <a:effectRef idx="0">
-            <a:schemeClr val="accent6"/>
-          </a:effectRef>
-          <a:fontRef idx="minor">
-            <a:schemeClr val="dk1"/>
-          </a:fontRef>
-        </p:style>
-        <p:txBody>
-          <a:bodyPr rtlCol="0" anchor="ctr"/>
-          <a:lstStyle/>
-          <a:p>
-            <a:pPr algn="ctr"/>
-            <a:r>
-              <a:rPr lang="en-US" sz="1400" dirty="0" smtClean="0"/>
-              <a:t>Help</a:t>
-            </a:r>
-            <a:endParaRPr lang="en-US" sz="1400" dirty="0"/>
-          </a:p>
-        </p:txBody>
-      </p:sp>
-      <p:sp>
-        <p:nvSpPr>
-          <p:cNvPr id="13" name="Flowchart: Display 12"/>
-          <p:cNvSpPr/>
-          <p:nvPr/>
-        </p:nvSpPr>
-        <p:spPr>
-          <a:xfrm>
-            <a:off x="4201101" y="4964378"/>
-            <a:ext cx="1280160" cy="837328"/>
-          </a:xfrm>
-          <a:prstGeom prst="flowChartDisplay">
-            <a:avLst/>
-          </a:prstGeom>
-          <a:ln>
-            <a:solidFill>
-              <a:schemeClr val="tx1"/>
-            </a:solidFill>
-          </a:ln>
-        </p:spPr>
-        <p:style>
-          <a:lnRef idx="2">
-            <a:schemeClr val="accent6"/>
-          </a:lnRef>
-          <a:fillRef idx="1">
-            <a:schemeClr val="lt1"/>
-          </a:fillRef>
-          <a:effectRef idx="0">
-            <a:schemeClr val="accent6"/>
-          </a:effectRef>
-          <a:fontRef idx="minor">
-            <a:schemeClr val="dk1"/>
-          </a:fontRef>
-        </p:style>
-        <p:txBody>
-          <a:bodyPr rtlCol="0" anchor="ctr"/>
-          <a:lstStyle/>
-          <a:p>
-            <a:pPr algn="ctr"/>
-            <a:r>
-              <a:rPr lang="en-US" sz="1400" dirty="0" smtClean="0"/>
-              <a:t>More Detail Data</a:t>
-            </a:r>
-            <a:endParaRPr lang="en-US" sz="1400" dirty="0"/>
-          </a:p>
-        </p:txBody>
-      </p:sp>
-      <p:sp>
-        <p:nvSpPr>
-          <p:cNvPr id="14" name="Flowchart: Decision 13"/>
-          <p:cNvSpPr/>
-          <p:nvPr/>
-        </p:nvSpPr>
-        <p:spPr>
-          <a:xfrm>
-            <a:off x="9136132" y="4749655"/>
-            <a:ext cx="1784417" cy="788995"/>
-          </a:xfrm>
-          <a:prstGeom prst="flowChartDecision">
-            <a:avLst/>
-          </a:prstGeom>
-          <a:ln>
-            <a:solidFill>
-              <a:schemeClr val="tx1"/>
-            </a:solidFill>
-          </a:ln>
-        </p:spPr>
-        <p:style>
-          <a:lnRef idx="2">
-            <a:schemeClr val="accent6"/>
-          </a:lnRef>
-          <a:fillRef idx="1">
-            <a:schemeClr val="lt1"/>
-          </a:fillRef>
-          <a:effectRef idx="0">
-            <a:schemeClr val="accent6"/>
-          </a:effectRef>
-          <a:fontRef idx="minor">
-            <a:schemeClr val="dk1"/>
-          </a:fontRef>
-        </p:style>
-        <p:txBody>
-          <a:bodyPr rtlCol="0" anchor="ctr"/>
-          <a:lstStyle/>
-          <a:p>
-            <a:pPr algn="ctr"/>
-            <a:r>
-              <a:rPr lang="en-US" sz="1400" dirty="0" smtClean="0"/>
-              <a:t>Send Message</a:t>
-            </a:r>
-            <a:endParaRPr lang="en-US" sz="1400" dirty="0"/>
-          </a:p>
-        </p:txBody>
-      </p:sp>
-      <p:sp>
-        <p:nvSpPr>
-          <p:cNvPr id="15" name="Flowchart: Alternate Process 14"/>
-          <p:cNvSpPr/>
-          <p:nvPr/>
-        </p:nvSpPr>
-        <p:spPr>
-          <a:xfrm>
-            <a:off x="7481541" y="5705782"/>
-            <a:ext cx="1158844" cy="482020"/>
-          </a:xfrm>
-          <a:prstGeom prst="flowChartAlternateProcess">
-            <a:avLst/>
-          </a:prstGeom>
-          <a:ln>
-            <a:solidFill>
-              <a:schemeClr val="tx1"/>
-            </a:solidFill>
-          </a:ln>
-        </p:spPr>
-        <p:style>
-          <a:lnRef idx="2">
-            <a:schemeClr val="accent6"/>
-          </a:lnRef>
-          <a:fillRef idx="1">
-            <a:schemeClr val="lt1"/>
-          </a:fillRef>
-          <a:effectRef idx="0">
-            <a:schemeClr val="accent6"/>
-          </a:effectRef>
-          <a:fontRef idx="minor">
-            <a:schemeClr val="dk1"/>
-          </a:fontRef>
-        </p:style>
-        <p:txBody>
-          <a:bodyPr rtlCol="0" anchor="ctr"/>
-          <a:lstStyle/>
-          <a:p>
-            <a:pPr algn="ctr"/>
-            <a:r>
-              <a:rPr lang="en-US" sz="1400" dirty="0" smtClean="0"/>
-              <a:t>Exit</a:t>
-            </a:r>
-            <a:endParaRPr lang="en-US" sz="1400" dirty="0"/>
-          </a:p>
-        </p:txBody>
-      </p:sp>
-      <p:cxnSp>
-        <p:nvCxnSpPr>
-          <p:cNvPr id="19" name="Straight Arrow Connector 18"/>
-          <p:cNvCxnSpPr>
-            <a:endCxn id="5" idx="0"/>
-          </p:cNvCxnSpPr>
-          <p:nvPr/>
-        </p:nvCxnSpPr>
-        <p:spPr>
-          <a:xfrm>
-            <a:off x="5473337" y="1745198"/>
-            <a:ext cx="32657" cy="357922"/>
-          </a:xfrm>
-          <a:prstGeom prst="straightConnector1">
-            <a:avLst/>
-          </a:prstGeom>
-          <a:ln>
-            <a:tailEnd type="triangle"/>
-          </a:ln>
-        </p:spPr>
-        <p:style>
-          <a:lnRef idx="1">
-            <a:schemeClr val="dk1"/>
-          </a:lnRef>
-          <a:fillRef idx="0">
-            <a:schemeClr val="dk1"/>
-          </a:fillRef>
-          <a:effectRef idx="0">
-            <a:schemeClr val="dk1"/>
-          </a:effectRef>
-          <a:fontRef idx="minor">
-            <a:schemeClr val="tx1"/>
-          </a:fontRef>
-        </p:style>
-      </p:cxnSp>
-      <p:cxnSp>
-        <p:nvCxnSpPr>
-          <p:cNvPr id="21" name="Straight Arrow Connector 20"/>
-          <p:cNvCxnSpPr>
-            <a:stCxn id="5" idx="1"/>
-          </p:cNvCxnSpPr>
-          <p:nvPr/>
-        </p:nvCxnSpPr>
-        <p:spPr>
-          <a:xfrm flipH="1">
-            <a:off x="1881051" y="2500884"/>
-            <a:ext cx="2834640" cy="890886"/>
-          </a:xfrm>
-          <a:prstGeom prst="straightConnector1">
-            <a:avLst/>
-          </a:prstGeom>
-          <a:ln>
-            <a:tailEnd type="triangle"/>
-          </a:ln>
-        </p:spPr>
-        <p:style>
-          <a:lnRef idx="1">
-            <a:schemeClr val="dk1"/>
-          </a:lnRef>
-          <a:fillRef idx="0">
-            <a:schemeClr val="dk1"/>
-          </a:fillRef>
-          <a:effectRef idx="0">
-            <a:schemeClr val="dk1"/>
-          </a:effectRef>
-          <a:fontRef idx="minor">
-            <a:schemeClr val="tx1"/>
-          </a:fontRef>
-        </p:style>
-      </p:cxnSp>
-      <p:cxnSp>
-        <p:nvCxnSpPr>
-          <p:cNvPr id="23" name="Straight Arrow Connector 22"/>
-          <p:cNvCxnSpPr/>
-          <p:nvPr/>
-        </p:nvCxnSpPr>
-        <p:spPr>
-          <a:xfrm flipH="1">
-            <a:off x="3683727" y="2621716"/>
-            <a:ext cx="1281125" cy="802059"/>
-          </a:xfrm>
-          <a:prstGeom prst="straightConnector1">
-            <a:avLst/>
-          </a:prstGeom>
-          <a:ln>
-            <a:tailEnd type="triangle"/>
-          </a:ln>
-        </p:spPr>
-        <p:style>
-          <a:lnRef idx="1">
-            <a:schemeClr val="dk1"/>
-          </a:lnRef>
-          <a:fillRef idx="0">
-            <a:schemeClr val="dk1"/>
-          </a:fillRef>
-          <a:effectRef idx="0">
-            <a:schemeClr val="dk1"/>
-          </a:effectRef>
-          <a:fontRef idx="minor">
-            <a:schemeClr val="tx1"/>
-          </a:fontRef>
-        </p:style>
-      </p:cxnSp>
-      <p:cxnSp>
-        <p:nvCxnSpPr>
-          <p:cNvPr id="25" name="Straight Arrow Connector 24"/>
-          <p:cNvCxnSpPr/>
-          <p:nvPr/>
-        </p:nvCxnSpPr>
-        <p:spPr>
-          <a:xfrm flipH="1">
-            <a:off x="5016137" y="2806230"/>
-            <a:ext cx="283150" cy="617545"/>
-          </a:xfrm>
-          <a:prstGeom prst="straightConnector1">
-            <a:avLst/>
-          </a:prstGeom>
-          <a:ln>
-            <a:tailEnd type="triangle"/>
-          </a:ln>
-        </p:spPr>
-        <p:style>
-          <a:lnRef idx="1">
-            <a:schemeClr val="dk1"/>
-          </a:lnRef>
-          <a:fillRef idx="0">
-            <a:schemeClr val="dk1"/>
-          </a:fillRef>
-          <a:effectRef idx="0">
-            <a:schemeClr val="dk1"/>
-          </a:effectRef>
-          <a:fontRef idx="minor">
-            <a:schemeClr val="tx1"/>
-          </a:fontRef>
-        </p:style>
-      </p:cxnSp>
-      <p:cxnSp>
-        <p:nvCxnSpPr>
-          <p:cNvPr id="27" name="Straight Arrow Connector 26"/>
-          <p:cNvCxnSpPr/>
-          <p:nvPr/>
-        </p:nvCxnSpPr>
-        <p:spPr>
-          <a:xfrm>
-            <a:off x="5785879" y="2791206"/>
-            <a:ext cx="399384" cy="600564"/>
-          </a:xfrm>
-          <a:prstGeom prst="straightConnector1">
-            <a:avLst/>
-          </a:prstGeom>
-          <a:ln>
-            <a:tailEnd type="triangle"/>
-          </a:ln>
-        </p:spPr>
-        <p:style>
-          <a:lnRef idx="1">
-            <a:schemeClr val="dk1"/>
-          </a:lnRef>
-          <a:fillRef idx="0">
-            <a:schemeClr val="dk1"/>
-          </a:fillRef>
-          <a:effectRef idx="0">
-            <a:schemeClr val="dk1"/>
-          </a:effectRef>
-          <a:fontRef idx="minor">
-            <a:schemeClr val="tx1"/>
-          </a:fontRef>
-        </p:style>
-      </p:cxnSp>
-      <p:cxnSp>
-        <p:nvCxnSpPr>
-          <p:cNvPr id="29" name="Straight Arrow Connector 28"/>
-          <p:cNvCxnSpPr/>
-          <p:nvPr/>
-        </p:nvCxnSpPr>
-        <p:spPr>
-          <a:xfrm>
-            <a:off x="6035040" y="2621716"/>
-            <a:ext cx="1998616" cy="802059"/>
-          </a:xfrm>
-          <a:prstGeom prst="straightConnector1">
-            <a:avLst/>
-          </a:prstGeom>
-          <a:ln>
-            <a:tailEnd type="triangle"/>
-          </a:ln>
-        </p:spPr>
-        <p:style>
-          <a:lnRef idx="1">
-            <a:schemeClr val="dk1"/>
-          </a:lnRef>
-          <a:fillRef idx="0">
-            <a:schemeClr val="dk1"/>
-          </a:fillRef>
-          <a:effectRef idx="0">
-            <a:schemeClr val="dk1"/>
-          </a:effectRef>
-          <a:fontRef idx="minor">
-            <a:schemeClr val="tx1"/>
-          </a:fontRef>
-        </p:style>
-      </p:cxnSp>
-      <p:cxnSp>
-        <p:nvCxnSpPr>
-          <p:cNvPr id="31" name="Straight Arrow Connector 30"/>
-          <p:cNvCxnSpPr>
-            <a:stCxn id="5" idx="3"/>
-          </p:cNvCxnSpPr>
-          <p:nvPr/>
-        </p:nvCxnSpPr>
-        <p:spPr>
-          <a:xfrm>
-            <a:off x="6296297" y="2500884"/>
-            <a:ext cx="3461657" cy="922891"/>
-          </a:xfrm>
-          <a:prstGeom prst="straightConnector1">
-            <a:avLst/>
-          </a:prstGeom>
-          <a:ln>
-            <a:tailEnd type="triangle"/>
-          </a:ln>
-        </p:spPr>
-        <p:style>
-          <a:lnRef idx="1">
-            <a:schemeClr val="dk1"/>
-          </a:lnRef>
-          <a:fillRef idx="0">
-            <a:schemeClr val="dk1"/>
-          </a:fillRef>
-          <a:effectRef idx="0">
-            <a:schemeClr val="dk1"/>
-          </a:effectRef>
-          <a:fontRef idx="minor">
-            <a:schemeClr val="tx1"/>
-          </a:fontRef>
-        </p:style>
-      </p:cxnSp>
-      <p:cxnSp>
-        <p:nvCxnSpPr>
-          <p:cNvPr id="33" name="Straight Arrow Connector 32"/>
-          <p:cNvCxnSpPr>
-            <a:endCxn id="13" idx="1"/>
-          </p:cNvCxnSpPr>
-          <p:nvPr/>
-        </p:nvCxnSpPr>
-        <p:spPr>
-          <a:xfrm>
-            <a:off x="1910203" y="4054385"/>
-            <a:ext cx="2290898" cy="1328657"/>
-          </a:xfrm>
-          <a:prstGeom prst="straightConnector1">
-            <a:avLst/>
-          </a:prstGeom>
-          <a:ln>
-            <a:tailEnd type="triangle"/>
-          </a:ln>
-        </p:spPr>
-        <p:style>
-          <a:lnRef idx="1">
-            <a:schemeClr val="dk1"/>
-          </a:lnRef>
-          <a:fillRef idx="0">
-            <a:schemeClr val="dk1"/>
-          </a:fillRef>
-          <a:effectRef idx="0">
-            <a:schemeClr val="dk1"/>
-          </a:effectRef>
-          <a:fontRef idx="minor">
-            <a:schemeClr val="tx1"/>
-          </a:fontRef>
-        </p:style>
-      </p:cxnSp>
-      <p:cxnSp>
-        <p:nvCxnSpPr>
-          <p:cNvPr id="35" name="Straight Arrow Connector 34"/>
-          <p:cNvCxnSpPr>
-            <a:stCxn id="7" idx="2"/>
-          </p:cNvCxnSpPr>
-          <p:nvPr/>
-        </p:nvCxnSpPr>
-        <p:spPr>
-          <a:xfrm>
-            <a:off x="3334663" y="4036423"/>
-            <a:ext cx="1227483" cy="959470"/>
-          </a:xfrm>
-          <a:prstGeom prst="straightConnector1">
-            <a:avLst/>
-          </a:prstGeom>
-          <a:ln>
-            <a:tailEnd type="triangle"/>
-          </a:ln>
-        </p:spPr>
-        <p:style>
-          <a:lnRef idx="1">
-            <a:schemeClr val="dk1"/>
-          </a:lnRef>
-          <a:fillRef idx="0">
-            <a:schemeClr val="dk1"/>
-          </a:fillRef>
-          <a:effectRef idx="0">
-            <a:schemeClr val="dk1"/>
-          </a:effectRef>
-          <a:fontRef idx="minor">
-            <a:schemeClr val="tx1"/>
-          </a:fontRef>
-        </p:style>
-      </p:cxnSp>
-      <p:cxnSp>
-        <p:nvCxnSpPr>
-          <p:cNvPr id="39" name="Straight Arrow Connector 38"/>
-          <p:cNvCxnSpPr/>
-          <p:nvPr/>
-        </p:nvCxnSpPr>
-        <p:spPr>
-          <a:xfrm flipH="1">
-            <a:off x="5299287" y="4022298"/>
-            <a:ext cx="1073563" cy="942080"/>
-          </a:xfrm>
-          <a:prstGeom prst="straightConnector1">
-            <a:avLst/>
-          </a:prstGeom>
-          <a:ln>
-            <a:tailEnd type="triangle"/>
-          </a:ln>
-        </p:spPr>
-        <p:style>
-          <a:lnRef idx="1">
-            <a:schemeClr val="dk1"/>
-          </a:lnRef>
-          <a:fillRef idx="0">
-            <a:schemeClr val="dk1"/>
-          </a:fillRef>
-          <a:effectRef idx="0">
-            <a:schemeClr val="dk1"/>
-          </a:effectRef>
-          <a:fontRef idx="minor">
-            <a:schemeClr val="tx1"/>
-          </a:fontRef>
-        </p:style>
-      </p:cxnSp>
-      <p:cxnSp>
-        <p:nvCxnSpPr>
-          <p:cNvPr id="41" name="Straight Arrow Connector 40"/>
-          <p:cNvCxnSpPr>
-            <a:endCxn id="13" idx="3"/>
-          </p:cNvCxnSpPr>
-          <p:nvPr/>
-        </p:nvCxnSpPr>
-        <p:spPr>
-          <a:xfrm flipH="1">
-            <a:off x="5481261" y="4031197"/>
-            <a:ext cx="2735756" cy="1351845"/>
-          </a:xfrm>
-          <a:prstGeom prst="straightConnector1">
-            <a:avLst/>
-          </a:prstGeom>
-          <a:ln>
-            <a:tailEnd type="triangle"/>
-          </a:ln>
-        </p:spPr>
-        <p:style>
-          <a:lnRef idx="1">
-            <a:schemeClr val="dk1"/>
-          </a:lnRef>
-          <a:fillRef idx="0">
-            <a:schemeClr val="dk1"/>
-          </a:fillRef>
-          <a:effectRef idx="0">
-            <a:schemeClr val="dk1"/>
-          </a:effectRef>
-          <a:fontRef idx="minor">
-            <a:schemeClr val="tx1"/>
-          </a:fontRef>
-        </p:style>
-      </p:cxnSp>
-      <p:cxnSp>
-        <p:nvCxnSpPr>
-          <p:cNvPr id="43" name="Straight Arrow Connector 42"/>
-          <p:cNvCxnSpPr/>
-          <p:nvPr/>
-        </p:nvCxnSpPr>
-        <p:spPr>
-          <a:xfrm>
-            <a:off x="10049084" y="4031197"/>
-            <a:ext cx="0" cy="794221"/>
-          </a:xfrm>
-          <a:prstGeom prst="straightConnector1">
-            <a:avLst/>
-          </a:prstGeom>
-          <a:ln>
-            <a:tailEnd type="triangle"/>
-          </a:ln>
-        </p:spPr>
-        <p:style>
-          <a:lnRef idx="1">
-            <a:schemeClr val="dk1"/>
-          </a:lnRef>
-          <a:fillRef idx="0">
-            <a:schemeClr val="dk1"/>
-          </a:fillRef>
-          <a:effectRef idx="0">
-            <a:schemeClr val="dk1"/>
-          </a:effectRef>
-          <a:fontRef idx="minor">
-            <a:schemeClr val="tx1"/>
-          </a:fontRef>
-        </p:style>
-      </p:cxnSp>
-      <p:cxnSp>
-        <p:nvCxnSpPr>
-          <p:cNvPr id="47" name="Straight Arrow Connector 46"/>
-          <p:cNvCxnSpPr/>
-          <p:nvPr/>
-        </p:nvCxnSpPr>
-        <p:spPr>
-          <a:xfrm>
-            <a:off x="5473337" y="5677610"/>
-            <a:ext cx="1972492" cy="228848"/>
-          </a:xfrm>
-          <a:prstGeom prst="straightConnector1">
-            <a:avLst/>
-          </a:prstGeom>
-          <a:ln>
-            <a:tailEnd type="triangle"/>
-          </a:ln>
-        </p:spPr>
-        <p:style>
-          <a:lnRef idx="1">
-            <a:schemeClr val="dk1"/>
-          </a:lnRef>
-          <a:fillRef idx="0">
-            <a:schemeClr val="dk1"/>
-          </a:fillRef>
-          <a:effectRef idx="0">
-            <a:schemeClr val="dk1"/>
-          </a:effectRef>
-          <a:fontRef idx="minor">
-            <a:schemeClr val="tx1"/>
-          </a:fontRef>
-        </p:style>
-      </p:cxnSp>
-      <p:cxnSp>
-        <p:nvCxnSpPr>
-          <p:cNvPr id="49" name="Straight Arrow Connector 48"/>
-          <p:cNvCxnSpPr>
-            <a:stCxn id="14" idx="2"/>
-            <a:endCxn id="15" idx="3"/>
-          </p:cNvCxnSpPr>
-          <p:nvPr/>
-        </p:nvCxnSpPr>
-        <p:spPr>
-          <a:xfrm flipH="1">
-            <a:off x="8640385" y="5538650"/>
-            <a:ext cx="1387956" cy="408142"/>
-          </a:xfrm>
-          <a:prstGeom prst="straightConnector1">
-            <a:avLst/>
-          </a:prstGeom>
-          <a:ln>
-            <a:tailEnd type="triangle"/>
-          </a:ln>
-        </p:spPr>
-        <p:style>
-          <a:lnRef idx="1">
-            <a:schemeClr val="dk1"/>
-          </a:lnRef>
-          <a:fillRef idx="0">
-            <a:schemeClr val="dk1"/>
-          </a:fillRef>
-          <a:effectRef idx="0">
-            <a:schemeClr val="dk1"/>
-          </a:effectRef>
-          <a:fontRef idx="minor">
-            <a:schemeClr val="tx1"/>
-          </a:fontRef>
-        </p:style>
-      </p:cxnSp>
-      <p:cxnSp>
-        <p:nvCxnSpPr>
-          <p:cNvPr id="60" name="Straight Arrow Connector 59"/>
-          <p:cNvCxnSpPr>
-            <a:endCxn id="13" idx="0"/>
-          </p:cNvCxnSpPr>
-          <p:nvPr/>
-        </p:nvCxnSpPr>
-        <p:spPr>
-          <a:xfrm>
-            <a:off x="4826725" y="4054385"/>
-            <a:ext cx="14456" cy="909993"/>
-          </a:xfrm>
-          <a:prstGeom prst="straightConnector1">
-            <a:avLst/>
-          </a:prstGeom>
-          <a:ln>
-            <a:tailEnd type="triangle"/>
-          </a:ln>
-        </p:spPr>
-        <p:style>
-          <a:lnRef idx="1">
-            <a:schemeClr val="dk1"/>
-          </a:lnRef>
-          <a:fillRef idx="0">
-            <a:schemeClr val="dk1"/>
-          </a:fillRef>
-          <a:effectRef idx="0">
-            <a:schemeClr val="dk1"/>
-          </a:effectRef>
-          <a:fontRef idx="minor">
-            <a:schemeClr val="tx1"/>
-          </a:fontRef>
-        </p:style>
-      </p:cxnSp>
+      </p:pic>
     </p:spTree>
     <p:extLst>
       <p:ext uri="{BB962C8B-B14F-4D97-AF65-F5344CB8AC3E}">
-        <p14:creationId xmlns:p14="http://schemas.microsoft.com/office/powerpoint/2010/main" val="4003760046"/>
+        <p14:creationId xmlns:p14="http://schemas.microsoft.com/office/powerpoint/2010/main" val="592878505"/>
       </p:ext>
     </p:extLst>
   </p:cSld>
   <p:clrMapOvr>
     <a:masterClrMapping/>
   </p:clrMapOvr>
+  <p:timing>
+    <p:tnLst>
+      <p:par>
+        <p:cTn id="1" dur="indefinite" restart="never" nodeType="tmRoot"/>
+      </p:par>
+    </p:tnLst>
+  </p:timing>
 </p:sld>
 </file>
 
@@ -12194,7 +11157,7 @@
   <a:extraClrSchemeLst/>
   <a:extLst>
     <a:ext uri="{05A4C25C-085E-4340-85A3-A5531E510DB2}">
-      <thm15:themeFamily xmlns:thm15="http://schemas.microsoft.com/office/thememl/2012/main" name="Facet" id="{C0C680CD-088A-49FC-A102-D699147F32B2}" vid="{CFBC31BA-B70F-4F30-BCAA-4F3011E16C4D}"/>
+      <thm15:themeFamily xmlns:thm15="http://schemas.microsoft.com/office/thememl/2012/main" xmlns="" name="Facet" id="{C0C680CD-088A-49FC-A102-D699147F32B2}" vid="{CFBC31BA-B70F-4F30-BCAA-4F3011E16C4D}"/>
     </a:ext>
   </a:extLst>
 </a:theme>
